--- a/SQL Analysis.pptx
+++ b/SQL Analysis.pptx
@@ -16,7 +16,6 @@
     <p:sldId id="264" r:id="rId10"/>
     <p:sldId id="265" r:id="rId11"/>
     <p:sldId id="266" r:id="rId12"/>
-    <p:sldId id="267" r:id="rId13"/>
   </p:sldIdLst>
   <p:sldSz cx="12192000" cy="6858000"/>
   <p:notesSz cx="6858000" cy="9144000"/>
@@ -115,6 +114,11 @@
       </a:defRPr>
     </a:lvl9pPr>
   </p:defaultTextStyle>
+  <p:extLst>
+    <p:ext uri="{EFAFB233-063F-42B5-8137-9DF3F51BA10A}">
+      <p15:sldGuideLst xmlns:p15="http://schemas.microsoft.com/office/powerpoint/2012/main"/>
+    </p:ext>
+  </p:extLst>
 </p:presentation>
 </file>
 
@@ -4011,157 +4015,6 @@
 </p:sld>
 </file>
 
-<file path=ppt/slides/slide12.xml><?xml version="1.0" encoding="utf-8"?>
-<p:sld xmlns:a="http://schemas.openxmlformats.org/drawingml/2006/main" xmlns:r="http://schemas.openxmlformats.org/officeDocument/2006/relationships" xmlns:p="http://schemas.openxmlformats.org/presentationml/2006/main">
-  <p:cSld>
-    <p:bg>
-      <p:bgPr>
-        <a:solidFill>
-          <a:schemeClr val="accent2"/>
-        </a:solidFill>
-        <a:effectLst/>
-      </p:bgPr>
-    </p:bg>
-    <p:spTree>
-      <p:nvGrpSpPr>
-        <p:cNvPr id="1" name="">
-          <a:extLst>
-            <a:ext uri="{FF2B5EF4-FFF2-40B4-BE49-F238E27FC236}">
-              <a16:creationId xmlns:a16="http://schemas.microsoft.com/office/drawing/2014/main" id="{0DCD0DD6-B447-AED7-3801-2B5DEAB0DA16}"/>
-            </a:ext>
-          </a:extLst>
-        </p:cNvPr>
-        <p:cNvGrpSpPr/>
-        <p:nvPr/>
-      </p:nvGrpSpPr>
-      <p:grpSpPr>
-        <a:xfrm>
-          <a:off x="0" y="0"/>
-          <a:ext cx="0" cy="0"/>
-          <a:chOff x="0" y="0"/>
-          <a:chExt cx="0" cy="0"/>
-        </a:xfrm>
-      </p:grpSpPr>
-      <p:sp>
-        <p:nvSpPr>
-          <p:cNvPr id="7" name="TextBox 6">
-            <a:extLst>
-              <a:ext uri="{FF2B5EF4-FFF2-40B4-BE49-F238E27FC236}">
-                <a16:creationId xmlns:a16="http://schemas.microsoft.com/office/drawing/2014/main" id="{FDAC9D62-7DE9-52E4-2CD4-38D3B4F83AA3}"/>
-              </a:ext>
-            </a:extLst>
-          </p:cNvPr>
-          <p:cNvSpPr txBox="1"/>
-          <p:nvPr/>
-        </p:nvSpPr>
-        <p:spPr>
-          <a:xfrm>
-            <a:off x="0" y="75363"/>
-            <a:ext cx="11971283" cy="369332"/>
-          </a:xfrm>
-          <a:prstGeom prst="rect">
-            <a:avLst/>
-          </a:prstGeom>
-          <a:noFill/>
-        </p:spPr>
-        <p:txBody>
-          <a:bodyPr wrap="square" rtlCol="0">
-            <a:spAutoFit/>
-          </a:bodyPr>
-          <a:lstStyle/>
-          <a:p>
-            <a:r>
-              <a:rPr lang="en-GB" dirty="0"/>
-              <a:t>Question:   What are the top 3 selling products in each division for 2021?</a:t>
-            </a:r>
-          </a:p>
-        </p:txBody>
-      </p:sp>
-      <p:sp>
-        <p:nvSpPr>
-          <p:cNvPr id="8" name="Rectangle: Diagonal Corners Rounded 7">
-            <a:extLst>
-              <a:ext uri="{FF2B5EF4-FFF2-40B4-BE49-F238E27FC236}">
-                <a16:creationId xmlns:a16="http://schemas.microsoft.com/office/drawing/2014/main" id="{D04B4232-EEDA-0917-3CE5-43492C41C0B3}"/>
-              </a:ext>
-            </a:extLst>
-          </p:cNvPr>
-          <p:cNvSpPr/>
-          <p:nvPr/>
-        </p:nvSpPr>
-        <p:spPr>
-          <a:xfrm>
-            <a:off x="9355902" y="1732935"/>
-            <a:ext cx="2615381" cy="3655142"/>
-          </a:xfrm>
-          <a:prstGeom prst="round2DiagRect">
-            <a:avLst/>
-          </a:prstGeom>
-          <a:solidFill>
-            <a:schemeClr val="accent2">
-              <a:lumMod val="50000"/>
-            </a:schemeClr>
-          </a:solidFill>
-        </p:spPr>
-        <p:style>
-          <a:lnRef idx="2">
-            <a:schemeClr val="accent1">
-              <a:shade val="15000"/>
-            </a:schemeClr>
-          </a:lnRef>
-          <a:fillRef idx="1">
-            <a:schemeClr val="accent1"/>
-          </a:fillRef>
-          <a:effectRef idx="0">
-            <a:schemeClr val="accent1"/>
-          </a:effectRef>
-          <a:fontRef idx="minor">
-            <a:schemeClr val="lt1"/>
-          </a:fontRef>
-        </p:style>
-        <p:txBody>
-          <a:bodyPr rtlCol="0" anchor="ctr"/>
-          <a:lstStyle/>
-          <a:p>
-            <a:pPr algn="ctr"/>
-            <a:r>
-              <a:rPr lang="en-GB" dirty="0"/>
-              <a:t>Insight</a:t>
-            </a:r>
-          </a:p>
-          <a:p>
-            <a:pPr algn="ctr"/>
-            <a:endParaRPr lang="en-GB" dirty="0"/>
-          </a:p>
-          <a:p>
-            <a:pPr algn="ctr"/>
-            <a:r>
-              <a:rPr lang="en-GB" dirty="0"/>
-              <a:t>Pen drives lead N&amp;S division; </a:t>
-            </a:r>
-          </a:p>
-          <a:p>
-            <a:pPr algn="ctr"/>
-            <a:r>
-              <a:rPr lang="en-GB" dirty="0"/>
-              <a:t>Gaming mice dominate P&amp;A</a:t>
-            </a:r>
-          </a:p>
-        </p:txBody>
-      </p:sp>
-    </p:spTree>
-    <p:extLst>
-      <p:ext uri="{BB962C8B-B14F-4D97-AF65-F5344CB8AC3E}">
-        <p14:creationId xmlns:p14="http://schemas.microsoft.com/office/powerpoint/2010/main" val="1512077138"/>
-      </p:ext>
-    </p:extLst>
-  </p:cSld>
-  <p:clrMapOvr>
-    <a:masterClrMapping/>
-  </p:clrMapOvr>
-</p:sld>
-</file>
-
 <file path=ppt/slides/slide2.xml><?xml version="1.0" encoding="utf-8"?>
 <p:sld xmlns:a="http://schemas.openxmlformats.org/drawingml/2006/main" xmlns:r="http://schemas.openxmlformats.org/officeDocument/2006/relationships" xmlns:p="http://schemas.openxmlformats.org/presentationml/2006/main">
   <p:cSld>
